--- a/docs/ERD.pptx
+++ b/docs/ERD.pptx
@@ -105,6 +105,11 @@
       </a:defRPr>
     </a:lvl9pPr>
   </p:defaultTextStyle>
+  <p:extLst>
+    <p:ext uri="{EFAFB233-063F-42B5-8137-9DF3F51BA10A}">
+      <p15:sldGuideLst xmlns:p15="http://schemas.microsoft.com/office/powerpoint/2012/main"/>
+    </p:ext>
+  </p:extLst>
 </p:presentation>
 </file>
 
@@ -255,7 +260,7 @@
           <a:p>
             <a:fld id="{DC4CDE95-0C40-4932-A8F9-40B00629D7A8}" type="datetimeFigureOut">
               <a:rPr lang="en-US" smtClean="0"/>
-              <a:t>11/26/2021</a:t>
+              <a:t>11/29/2021</a:t>
             </a:fld>
             <a:endParaRPr lang="en-US"/>
           </a:p>
@@ -453,7 +458,7 @@
           <a:p>
             <a:fld id="{DC4CDE95-0C40-4932-A8F9-40B00629D7A8}" type="datetimeFigureOut">
               <a:rPr lang="en-US" smtClean="0"/>
-              <a:t>11/26/2021</a:t>
+              <a:t>11/29/2021</a:t>
             </a:fld>
             <a:endParaRPr lang="en-US"/>
           </a:p>
@@ -661,7 +666,7 @@
           <a:p>
             <a:fld id="{DC4CDE95-0C40-4932-A8F9-40B00629D7A8}" type="datetimeFigureOut">
               <a:rPr lang="en-US" smtClean="0"/>
-              <a:t>11/26/2021</a:t>
+              <a:t>11/29/2021</a:t>
             </a:fld>
             <a:endParaRPr lang="en-US"/>
           </a:p>
@@ -859,7 +864,7 @@
           <a:p>
             <a:fld id="{DC4CDE95-0C40-4932-A8F9-40B00629D7A8}" type="datetimeFigureOut">
               <a:rPr lang="en-US" smtClean="0"/>
-              <a:t>11/26/2021</a:t>
+              <a:t>11/29/2021</a:t>
             </a:fld>
             <a:endParaRPr lang="en-US"/>
           </a:p>
@@ -1134,7 +1139,7 @@
           <a:p>
             <a:fld id="{DC4CDE95-0C40-4932-A8F9-40B00629D7A8}" type="datetimeFigureOut">
               <a:rPr lang="en-US" smtClean="0"/>
-              <a:t>11/26/2021</a:t>
+              <a:t>11/29/2021</a:t>
             </a:fld>
             <a:endParaRPr lang="en-US"/>
           </a:p>
@@ -1399,7 +1404,7 @@
           <a:p>
             <a:fld id="{DC4CDE95-0C40-4932-A8F9-40B00629D7A8}" type="datetimeFigureOut">
               <a:rPr lang="en-US" smtClean="0"/>
-              <a:t>11/26/2021</a:t>
+              <a:t>11/29/2021</a:t>
             </a:fld>
             <a:endParaRPr lang="en-US"/>
           </a:p>
@@ -1811,7 +1816,7 @@
           <a:p>
             <a:fld id="{DC4CDE95-0C40-4932-A8F9-40B00629D7A8}" type="datetimeFigureOut">
               <a:rPr lang="en-US" smtClean="0"/>
-              <a:t>11/26/2021</a:t>
+              <a:t>11/29/2021</a:t>
             </a:fld>
             <a:endParaRPr lang="en-US"/>
           </a:p>
@@ -1952,7 +1957,7 @@
           <a:p>
             <a:fld id="{DC4CDE95-0C40-4932-A8F9-40B00629D7A8}" type="datetimeFigureOut">
               <a:rPr lang="en-US" smtClean="0"/>
-              <a:t>11/26/2021</a:t>
+              <a:t>11/29/2021</a:t>
             </a:fld>
             <a:endParaRPr lang="en-US"/>
           </a:p>
@@ -2065,7 +2070,7 @@
           <a:p>
             <a:fld id="{DC4CDE95-0C40-4932-A8F9-40B00629D7A8}" type="datetimeFigureOut">
               <a:rPr lang="en-US" smtClean="0"/>
-              <a:t>11/26/2021</a:t>
+              <a:t>11/29/2021</a:t>
             </a:fld>
             <a:endParaRPr lang="en-US"/>
           </a:p>
@@ -2376,7 +2381,7 @@
           <a:p>
             <a:fld id="{DC4CDE95-0C40-4932-A8F9-40B00629D7A8}" type="datetimeFigureOut">
               <a:rPr lang="en-US" smtClean="0"/>
-              <a:t>11/26/2021</a:t>
+              <a:t>11/29/2021</a:t>
             </a:fld>
             <a:endParaRPr lang="en-US"/>
           </a:p>
@@ -2664,7 +2669,7 @@
           <a:p>
             <a:fld id="{DC4CDE95-0C40-4932-A8F9-40B00629D7A8}" type="datetimeFigureOut">
               <a:rPr lang="en-US" smtClean="0"/>
-              <a:t>11/26/2021</a:t>
+              <a:t>11/29/2021</a:t>
             </a:fld>
             <a:endParaRPr lang="en-US"/>
           </a:p>
@@ -2905,7 +2910,7 @@
           <a:p>
             <a:fld id="{DC4CDE95-0C40-4932-A8F9-40B00629D7A8}" type="datetimeFigureOut">
               <a:rPr lang="en-US" smtClean="0"/>
-              <a:t>11/26/2021</a:t>
+              <a:t>11/29/2021</a:t>
             </a:fld>
             <a:endParaRPr lang="en-US"/>
           </a:p>
@@ -3712,14 +3717,14 @@
           <p:nvPr>
             <p:extLst>
               <p:ext uri="{D42A27DB-BD31-4B8C-83A1-F6EECF244321}">
-                <p14:modId xmlns:p14="http://schemas.microsoft.com/office/powerpoint/2010/main" val="1418970241"/>
+                <p14:modId xmlns:p14="http://schemas.microsoft.com/office/powerpoint/2010/main" val="839008208"/>
               </p:ext>
             </p:extLst>
           </p:nvPr>
         </p:nvGraphicFramePr>
         <p:xfrm>
-          <a:off x="627269" y="3038796"/>
-          <a:ext cx="2420730" cy="1559560"/>
+          <a:off x="4753113" y="2623930"/>
+          <a:ext cx="2800625" cy="2266121"/>
         </p:xfrm>
         <a:graphic>
           <a:graphicData uri="http://schemas.openxmlformats.org/drawingml/2006/table">
@@ -3728,7 +3733,7 @@
                 <a:tableStyleId>{5C22544A-7EE6-4342-B048-85BDC9FD1C3A}</a:tableStyleId>
               </a:tblPr>
               <a:tblGrid>
-                <a:gridCol w="2420730">
+                <a:gridCol w="2800625">
                   <a:extLst>
                     <a:ext uri="{9D8B030D-6E8A-4147-A177-3AD203B41FA5}">
                       <a16:colId xmlns:a16="http://schemas.microsoft.com/office/drawing/2014/main" val="2561568118"/>
@@ -3736,7 +3741,7 @@
                   </a:extLst>
                 </a:gridCol>
               </a:tblGrid>
-              <a:tr h="370840">
+              <a:tr h="538850">
                 <a:tc>
                   <a:txBody>
                     <a:bodyPr/>
@@ -3756,7 +3761,7 @@
                   </a:ext>
                 </a:extLst>
               </a:tr>
-              <a:tr h="370840">
+              <a:tr h="1727271">
                 <a:tc>
                   <a:txBody>
                     <a:bodyPr/>
@@ -3814,667 +3819,6 @@
           </a:graphicData>
         </a:graphic>
       </p:graphicFrame>
-      <p:graphicFrame>
-        <p:nvGraphicFramePr>
-          <p:cNvPr id="7" name="Table 6">
-            <a:extLst>
-              <a:ext uri="{FF2B5EF4-FFF2-40B4-BE49-F238E27FC236}">
-                <a16:creationId xmlns:a16="http://schemas.microsoft.com/office/drawing/2014/main" id="{F1AE87E1-EF51-43A4-B74C-7AD1AF901FD7}"/>
-              </a:ext>
-            </a:extLst>
-          </p:cNvPr>
-          <p:cNvGraphicFramePr>
-            <a:graphicFrameLocks noGrp="1"/>
-          </p:cNvGraphicFramePr>
-          <p:nvPr>
-            <p:extLst>
-              <p:ext uri="{D42A27DB-BD31-4B8C-83A1-F6EECF244321}">
-                <p14:modId xmlns:p14="http://schemas.microsoft.com/office/powerpoint/2010/main" val="2229403306"/>
-              </p:ext>
-            </p:extLst>
-          </p:nvPr>
-        </p:nvGraphicFramePr>
-        <p:xfrm>
-          <a:off x="4479235" y="1581059"/>
-          <a:ext cx="3551583" cy="2382520"/>
-        </p:xfrm>
-        <a:graphic>
-          <a:graphicData uri="http://schemas.openxmlformats.org/drawingml/2006/table">
-            <a:tbl>
-              <a:tblPr firstRow="1" bandRow="1">
-                <a:tableStyleId>{5C22544A-7EE6-4342-B048-85BDC9FD1C3A}</a:tableStyleId>
-              </a:tblPr>
-              <a:tblGrid>
-                <a:gridCol w="3551583">
-                  <a:extLst>
-                    <a:ext uri="{9D8B030D-6E8A-4147-A177-3AD203B41FA5}">
-                      <a16:colId xmlns:a16="http://schemas.microsoft.com/office/drawing/2014/main" val="70990324"/>
-                    </a:ext>
-                  </a:extLst>
-                </a:gridCol>
-              </a:tblGrid>
-              <a:tr h="370840">
-                <a:tc>
-                  <a:txBody>
-                    <a:bodyPr/>
-                    <a:lstStyle/>
-                    <a:p>
-                      <a:pPr algn="ctr"/>
-                      <a:r>
-                        <a:rPr lang="en-US" dirty="0"/>
-                        <a:t> events</a:t>
-                      </a:r>
-                    </a:p>
-                  </a:txBody>
-                  <a:tcPr/>
-                </a:tc>
-                <a:extLst>
-                  <a:ext uri="{0D108BD9-81ED-4DB2-BD59-A6C34878D82A}">
-                    <a16:rowId xmlns:a16="http://schemas.microsoft.com/office/drawing/2014/main" val="1147794227"/>
-                  </a:ext>
-                </a:extLst>
-              </a:tr>
-              <a:tr h="370840">
-                <a:tc>
-                  <a:txBody>
-                    <a:bodyPr/>
-                    <a:lstStyle/>
-                    <a:p>
-                      <a:pPr marL="285750" indent="-285750">
-                        <a:buFontTx/>
-                        <a:buChar char="-"/>
-                      </a:pPr>
-                      <a:r>
-                        <a:rPr lang="en-US" dirty="0"/>
-                        <a:t>Title</a:t>
-                      </a:r>
-                    </a:p>
-                    <a:p>
-                      <a:pPr marL="285750" indent="-285750">
-                        <a:buFontTx/>
-                        <a:buChar char="-"/>
-                      </a:pPr>
-                      <a:r>
-                        <a:rPr lang="en-US" dirty="0"/>
-                        <a:t>category</a:t>
-                      </a:r>
-                    </a:p>
-                    <a:p>
-                      <a:pPr marL="285750" indent="-285750">
-                        <a:buFontTx/>
-                        <a:buChar char="-"/>
-                      </a:pPr>
-                      <a:r>
-                        <a:rPr lang="en-US" dirty="0"/>
-                        <a:t>Start date</a:t>
-                      </a:r>
-                    </a:p>
-                    <a:p>
-                      <a:pPr marL="285750" indent="-285750">
-                        <a:buFontTx/>
-                        <a:buChar char="-"/>
-                      </a:pPr>
-                      <a:r>
-                        <a:rPr lang="en-US" dirty="0"/>
-                        <a:t>End date</a:t>
-                      </a:r>
-                    </a:p>
-                    <a:p>
-                      <a:pPr marL="285750" indent="-285750">
-                        <a:buFontTx/>
-                        <a:buChar char="-"/>
-                      </a:pPr>
-                      <a:r>
-                        <a:rPr lang="en-US" dirty="0"/>
-                        <a:t>Description</a:t>
-                      </a:r>
-                    </a:p>
-                    <a:p>
-                      <a:pPr marL="285750" indent="-285750">
-                        <a:buFontTx/>
-                        <a:buChar char="-"/>
-                      </a:pPr>
-                      <a:r>
-                        <a:rPr lang="en-US" dirty="0"/>
-                        <a:t>City</a:t>
-                      </a:r>
-                    </a:p>
-                    <a:p>
-                      <a:pPr marL="285750" indent="-285750">
-                        <a:buFontTx/>
-                        <a:buChar char="-"/>
-                      </a:pPr>
-                      <a:r>
-                        <a:rPr lang="en-US" dirty="0" err="1"/>
-                        <a:t>userId</a:t>
-                      </a:r>
-                      <a:endParaRPr lang="en-US" dirty="0"/>
-                    </a:p>
-                  </a:txBody>
-                  <a:tcPr/>
-                </a:tc>
-                <a:extLst>
-                  <a:ext uri="{0D108BD9-81ED-4DB2-BD59-A6C34878D82A}">
-                    <a16:rowId xmlns:a16="http://schemas.microsoft.com/office/drawing/2014/main" val="3811960332"/>
-                  </a:ext>
-                </a:extLst>
-              </a:tr>
-            </a:tbl>
-          </a:graphicData>
-        </a:graphic>
-      </p:graphicFrame>
-      <p:cxnSp>
-        <p:nvCxnSpPr>
-          <p:cNvPr id="8" name="Straight Arrow Connector 7">
-            <a:extLst>
-              <a:ext uri="{FF2B5EF4-FFF2-40B4-BE49-F238E27FC236}">
-                <a16:creationId xmlns:a16="http://schemas.microsoft.com/office/drawing/2014/main" id="{8E24BFC5-28C0-4C41-9059-BDDE32E50555}"/>
-              </a:ext>
-            </a:extLst>
-          </p:cNvPr>
-          <p:cNvCxnSpPr/>
-          <p:nvPr/>
-        </p:nvCxnSpPr>
-        <p:spPr>
-          <a:xfrm flipV="1">
-            <a:off x="3047999" y="2067339"/>
-            <a:ext cx="1431236" cy="1126435"/>
-          </a:xfrm>
-          <a:prstGeom prst="straightConnector1">
-            <a:avLst/>
-          </a:prstGeom>
-          <a:ln>
-            <a:tailEnd type="triangle"/>
-          </a:ln>
-        </p:spPr>
-        <p:style>
-          <a:lnRef idx="1">
-            <a:schemeClr val="accent1"/>
-          </a:lnRef>
-          <a:fillRef idx="0">
-            <a:schemeClr val="accent1"/>
-          </a:fillRef>
-          <a:effectRef idx="0">
-            <a:schemeClr val="accent1"/>
-          </a:effectRef>
-          <a:fontRef idx="minor">
-            <a:schemeClr val="tx1"/>
-          </a:fontRef>
-        </p:style>
-      </p:cxnSp>
-      <p:sp>
-        <p:nvSpPr>
-          <p:cNvPr id="9" name="TextBox 8">
-            <a:extLst>
-              <a:ext uri="{FF2B5EF4-FFF2-40B4-BE49-F238E27FC236}">
-                <a16:creationId xmlns:a16="http://schemas.microsoft.com/office/drawing/2014/main" id="{6F6A8602-6D39-47F5-8FAD-D9FF160D6AF0}"/>
-              </a:ext>
-            </a:extLst>
-          </p:cNvPr>
-          <p:cNvSpPr txBox="1"/>
-          <p:nvPr/>
-        </p:nvSpPr>
-        <p:spPr>
-          <a:xfrm>
-            <a:off x="2871307" y="2602945"/>
-            <a:ext cx="216450" cy="369332"/>
-          </a:xfrm>
-          <a:prstGeom prst="rect">
-            <a:avLst/>
-          </a:prstGeom>
-          <a:noFill/>
-        </p:spPr>
-        <p:txBody>
-          <a:bodyPr wrap="square" rtlCol="0">
-            <a:spAutoFit/>
-          </a:bodyPr>
-          <a:lstStyle/>
-          <a:p>
-            <a:r>
-              <a:rPr lang="en-US" dirty="0"/>
-              <a:t>1</a:t>
-            </a:r>
-          </a:p>
-        </p:txBody>
-      </p:sp>
-      <p:sp>
-        <p:nvSpPr>
-          <p:cNvPr id="10" name="TextBox 9">
-            <a:extLst>
-              <a:ext uri="{FF2B5EF4-FFF2-40B4-BE49-F238E27FC236}">
-                <a16:creationId xmlns:a16="http://schemas.microsoft.com/office/drawing/2014/main" id="{44533DB8-129A-4121-AD76-6F45ADEA113A}"/>
-              </a:ext>
-            </a:extLst>
-          </p:cNvPr>
-          <p:cNvSpPr txBox="1"/>
-          <p:nvPr/>
-        </p:nvSpPr>
-        <p:spPr>
-          <a:xfrm>
-            <a:off x="3922643" y="1934817"/>
-            <a:ext cx="304800" cy="369332"/>
-          </a:xfrm>
-          <a:prstGeom prst="rect">
-            <a:avLst/>
-          </a:prstGeom>
-          <a:noFill/>
-        </p:spPr>
-        <p:txBody>
-          <a:bodyPr wrap="square" rtlCol="0">
-            <a:spAutoFit/>
-          </a:bodyPr>
-          <a:lstStyle/>
-          <a:p>
-            <a:r>
-              <a:rPr lang="en-US" dirty="0"/>
-              <a:t>*</a:t>
-            </a:r>
-          </a:p>
-        </p:txBody>
-      </p:sp>
-      <p:graphicFrame>
-        <p:nvGraphicFramePr>
-          <p:cNvPr id="11" name="Table 11">
-            <a:extLst>
-              <a:ext uri="{FF2B5EF4-FFF2-40B4-BE49-F238E27FC236}">
-                <a16:creationId xmlns:a16="http://schemas.microsoft.com/office/drawing/2014/main" id="{1F657F0A-9583-497A-BF67-6E6E3AF1EC29}"/>
-              </a:ext>
-            </a:extLst>
-          </p:cNvPr>
-          <p:cNvGraphicFramePr>
-            <a:graphicFrameLocks noGrp="1"/>
-          </p:cNvGraphicFramePr>
-          <p:nvPr>
-            <p:extLst>
-              <p:ext uri="{D42A27DB-BD31-4B8C-83A1-F6EECF244321}">
-                <p14:modId xmlns:p14="http://schemas.microsoft.com/office/powerpoint/2010/main" val="1182671475"/>
-              </p:ext>
-            </p:extLst>
-          </p:nvPr>
-        </p:nvGraphicFramePr>
-        <p:xfrm>
-          <a:off x="6255026" y="4686557"/>
-          <a:ext cx="3366052" cy="741680"/>
-        </p:xfrm>
-        <a:graphic>
-          <a:graphicData uri="http://schemas.openxmlformats.org/drawingml/2006/table">
-            <a:tbl>
-              <a:tblPr firstRow="1" bandRow="1">
-                <a:tableStyleId>{5C22544A-7EE6-4342-B048-85BDC9FD1C3A}</a:tableStyleId>
-              </a:tblPr>
-              <a:tblGrid>
-                <a:gridCol w="3366052">
-                  <a:extLst>
-                    <a:ext uri="{9D8B030D-6E8A-4147-A177-3AD203B41FA5}">
-                      <a16:colId xmlns:a16="http://schemas.microsoft.com/office/drawing/2014/main" val="4125258254"/>
-                    </a:ext>
-                  </a:extLst>
-                </a:gridCol>
-              </a:tblGrid>
-              <a:tr h="370840">
-                <a:tc>
-                  <a:txBody>
-                    <a:bodyPr/>
-                    <a:lstStyle/>
-                    <a:p>
-                      <a:pPr algn="ctr"/>
-                      <a:r>
-                        <a:rPr lang="en-US" dirty="0"/>
-                        <a:t>category</a:t>
-                      </a:r>
-                    </a:p>
-                  </a:txBody>
-                  <a:tcPr/>
-                </a:tc>
-                <a:extLst>
-                  <a:ext uri="{0D108BD9-81ED-4DB2-BD59-A6C34878D82A}">
-                    <a16:rowId xmlns:a16="http://schemas.microsoft.com/office/drawing/2014/main" val="3704477378"/>
-                  </a:ext>
-                </a:extLst>
-              </a:tr>
-              <a:tr h="370840">
-                <a:tc>
-                  <a:txBody>
-                    <a:bodyPr/>
-                    <a:lstStyle/>
-                    <a:p>
-                      <a:r>
-                        <a:rPr lang="en-US" dirty="0"/>
-                        <a:t>- categoryname</a:t>
-                      </a:r>
-                    </a:p>
-                  </a:txBody>
-                  <a:tcPr/>
-                </a:tc>
-                <a:extLst>
-                  <a:ext uri="{0D108BD9-81ED-4DB2-BD59-A6C34878D82A}">
-                    <a16:rowId xmlns:a16="http://schemas.microsoft.com/office/drawing/2014/main" val="1628986516"/>
-                  </a:ext>
-                </a:extLst>
-              </a:tr>
-            </a:tbl>
-          </a:graphicData>
-        </a:graphic>
-      </p:graphicFrame>
-      <p:cxnSp>
-        <p:nvCxnSpPr>
-          <p:cNvPr id="12" name="Straight Arrow Connector 11">
-            <a:extLst>
-              <a:ext uri="{FF2B5EF4-FFF2-40B4-BE49-F238E27FC236}">
-                <a16:creationId xmlns:a16="http://schemas.microsoft.com/office/drawing/2014/main" id="{6A61184D-1A4B-44F3-99D7-1D4501CB3A94}"/>
-              </a:ext>
-            </a:extLst>
-          </p:cNvPr>
-          <p:cNvCxnSpPr>
-            <a:cxnSpLocks/>
-          </p:cNvCxnSpPr>
-          <p:nvPr/>
-        </p:nvCxnSpPr>
-        <p:spPr>
-          <a:xfrm>
-            <a:off x="7328452" y="3689259"/>
-            <a:ext cx="0" cy="997298"/>
-          </a:xfrm>
-          <a:prstGeom prst="straightConnector1">
-            <a:avLst/>
-          </a:prstGeom>
-          <a:ln>
-            <a:tailEnd type="triangle"/>
-          </a:ln>
-        </p:spPr>
-        <p:style>
-          <a:lnRef idx="1">
-            <a:schemeClr val="accent1"/>
-          </a:lnRef>
-          <a:fillRef idx="0">
-            <a:schemeClr val="accent1"/>
-          </a:fillRef>
-          <a:effectRef idx="0">
-            <a:schemeClr val="accent1"/>
-          </a:effectRef>
-          <a:fontRef idx="minor">
-            <a:schemeClr val="tx1"/>
-          </a:fontRef>
-        </p:style>
-      </p:cxnSp>
-      <p:sp>
-        <p:nvSpPr>
-          <p:cNvPr id="13" name="TextBox 12">
-            <a:extLst>
-              <a:ext uri="{FF2B5EF4-FFF2-40B4-BE49-F238E27FC236}">
-                <a16:creationId xmlns:a16="http://schemas.microsoft.com/office/drawing/2014/main" id="{B94F315C-983D-4D51-810B-BBA40BE7EDF0}"/>
-              </a:ext>
-            </a:extLst>
-          </p:cNvPr>
-          <p:cNvSpPr txBox="1"/>
-          <p:nvPr/>
-        </p:nvSpPr>
-        <p:spPr>
-          <a:xfrm>
-            <a:off x="7593496" y="3818576"/>
-            <a:ext cx="437318" cy="369332"/>
-          </a:xfrm>
-          <a:prstGeom prst="rect">
-            <a:avLst/>
-          </a:prstGeom>
-          <a:noFill/>
-        </p:spPr>
-        <p:txBody>
-          <a:bodyPr wrap="square" rtlCol="0">
-            <a:spAutoFit/>
-          </a:bodyPr>
-          <a:lstStyle/>
-          <a:p>
-            <a:r>
-              <a:rPr lang="en-US" dirty="0"/>
-              <a:t>1</a:t>
-            </a:r>
-          </a:p>
-        </p:txBody>
-      </p:sp>
-      <p:sp>
-        <p:nvSpPr>
-          <p:cNvPr id="14" name="TextBox 13">
-            <a:extLst>
-              <a:ext uri="{FF2B5EF4-FFF2-40B4-BE49-F238E27FC236}">
-                <a16:creationId xmlns:a16="http://schemas.microsoft.com/office/drawing/2014/main" id="{A5E397C7-E4FE-489D-8A6E-3BC1CF821ADF}"/>
-              </a:ext>
-            </a:extLst>
-          </p:cNvPr>
-          <p:cNvSpPr txBox="1"/>
-          <p:nvPr/>
-        </p:nvSpPr>
-        <p:spPr>
-          <a:xfrm>
-            <a:off x="7593496" y="4317225"/>
-            <a:ext cx="437317" cy="369332"/>
-          </a:xfrm>
-          <a:prstGeom prst="rect">
-            <a:avLst/>
-          </a:prstGeom>
-          <a:noFill/>
-        </p:spPr>
-        <p:txBody>
-          <a:bodyPr wrap="square" rtlCol="0">
-            <a:spAutoFit/>
-          </a:bodyPr>
-          <a:lstStyle/>
-          <a:p>
-            <a:r>
-              <a:rPr lang="en-US" dirty="0"/>
-              <a:t>1</a:t>
-            </a:r>
-          </a:p>
-        </p:txBody>
-      </p:sp>
-      <p:graphicFrame>
-        <p:nvGraphicFramePr>
-          <p:cNvPr id="15" name="Table 21">
-            <a:extLst>
-              <a:ext uri="{FF2B5EF4-FFF2-40B4-BE49-F238E27FC236}">
-                <a16:creationId xmlns:a16="http://schemas.microsoft.com/office/drawing/2014/main" id="{5F8E15AB-9E0E-4E59-A126-94DABE8597A3}"/>
-              </a:ext>
-            </a:extLst>
-          </p:cNvPr>
-          <p:cNvGraphicFramePr>
-            <a:graphicFrameLocks noGrp="1"/>
-          </p:cNvGraphicFramePr>
-          <p:nvPr>
-            <p:extLst>
-              <p:ext uri="{D42A27DB-BD31-4B8C-83A1-F6EECF244321}">
-                <p14:modId xmlns:p14="http://schemas.microsoft.com/office/powerpoint/2010/main" val="1561605318"/>
-              </p:ext>
-            </p:extLst>
-          </p:nvPr>
-        </p:nvGraphicFramePr>
-        <p:xfrm>
-          <a:off x="2341217" y="5680151"/>
-          <a:ext cx="2844800" cy="1010920"/>
-        </p:xfrm>
-        <a:graphic>
-          <a:graphicData uri="http://schemas.openxmlformats.org/drawingml/2006/table">
-            <a:tbl>
-              <a:tblPr firstRow="1" bandRow="1">
-                <a:tableStyleId>{5C22544A-7EE6-4342-B048-85BDC9FD1C3A}</a:tableStyleId>
-              </a:tblPr>
-              <a:tblGrid>
-                <a:gridCol w="2844800">
-                  <a:extLst>
-                    <a:ext uri="{9D8B030D-6E8A-4147-A177-3AD203B41FA5}">
-                      <a16:colId xmlns:a16="http://schemas.microsoft.com/office/drawing/2014/main" val="600274932"/>
-                    </a:ext>
-                  </a:extLst>
-                </a:gridCol>
-              </a:tblGrid>
-              <a:tr h="370840">
-                <a:tc>
-                  <a:txBody>
-                    <a:bodyPr/>
-                    <a:lstStyle/>
-                    <a:p>
-                      <a:pPr algn="ctr"/>
-                      <a:r>
-                        <a:rPr lang="en-US" dirty="0"/>
-                        <a:t>join</a:t>
-                      </a:r>
-                    </a:p>
-                  </a:txBody>
-                  <a:tcPr/>
-                </a:tc>
-                <a:extLst>
-                  <a:ext uri="{0D108BD9-81ED-4DB2-BD59-A6C34878D82A}">
-                    <a16:rowId xmlns:a16="http://schemas.microsoft.com/office/drawing/2014/main" val="1957141422"/>
-                  </a:ext>
-                </a:extLst>
-              </a:tr>
-              <a:tr h="370840">
-                <a:tc>
-                  <a:txBody>
-                    <a:bodyPr/>
-                    <a:lstStyle/>
-                    <a:p>
-                      <a:pPr marL="285750" indent="-285750">
-                        <a:buFontTx/>
-                        <a:buChar char="-"/>
-                      </a:pPr>
-                      <a:r>
-                        <a:rPr lang="en-US" dirty="0"/>
-                        <a:t>Amount</a:t>
-                      </a:r>
-                    </a:p>
-                    <a:p>
-                      <a:pPr marL="285750" indent="-285750">
-                        <a:buFontTx/>
-                        <a:buChar char="-"/>
-                      </a:pPr>
-                      <a:r>
-                        <a:rPr lang="en-US" dirty="0" err="1"/>
-                        <a:t>userId</a:t>
-                      </a:r>
-                      <a:endParaRPr lang="en-US" dirty="0"/>
-                    </a:p>
-                  </a:txBody>
-                  <a:tcPr/>
-                </a:tc>
-                <a:extLst>
-                  <a:ext uri="{0D108BD9-81ED-4DB2-BD59-A6C34878D82A}">
-                    <a16:rowId xmlns:a16="http://schemas.microsoft.com/office/drawing/2014/main" val="2170359374"/>
-                  </a:ext>
-                </a:extLst>
-              </a:tr>
-            </a:tbl>
-          </a:graphicData>
-        </a:graphic>
-      </p:graphicFrame>
-      <p:cxnSp>
-        <p:nvCxnSpPr>
-          <p:cNvPr id="16" name="Straight Arrow Connector 15">
-            <a:extLst>
-              <a:ext uri="{FF2B5EF4-FFF2-40B4-BE49-F238E27FC236}">
-                <a16:creationId xmlns:a16="http://schemas.microsoft.com/office/drawing/2014/main" id="{6CA1DB1D-9707-4A50-8474-E8FF2237351C}"/>
-              </a:ext>
-            </a:extLst>
-          </p:cNvPr>
-          <p:cNvCxnSpPr/>
-          <p:nvPr/>
-        </p:nvCxnSpPr>
-        <p:spPr>
-          <a:xfrm>
-            <a:off x="2040835" y="4598356"/>
-            <a:ext cx="1046922" cy="1081795"/>
-          </a:xfrm>
-          <a:prstGeom prst="straightConnector1">
-            <a:avLst/>
-          </a:prstGeom>
-          <a:ln>
-            <a:tailEnd type="triangle"/>
-          </a:ln>
-        </p:spPr>
-        <p:style>
-          <a:lnRef idx="1">
-            <a:schemeClr val="accent1"/>
-          </a:lnRef>
-          <a:fillRef idx="0">
-            <a:schemeClr val="accent1"/>
-          </a:fillRef>
-          <a:effectRef idx="0">
-            <a:schemeClr val="accent1"/>
-          </a:effectRef>
-          <a:fontRef idx="minor">
-            <a:schemeClr val="tx1"/>
-          </a:fontRef>
-        </p:style>
-      </p:cxnSp>
-      <p:sp>
-        <p:nvSpPr>
-          <p:cNvPr id="17" name="TextBox 16">
-            <a:extLst>
-              <a:ext uri="{FF2B5EF4-FFF2-40B4-BE49-F238E27FC236}">
-                <a16:creationId xmlns:a16="http://schemas.microsoft.com/office/drawing/2014/main" id="{992D88A4-C6AB-456E-A573-D3B9EAF1658F}"/>
-              </a:ext>
-            </a:extLst>
-          </p:cNvPr>
-          <p:cNvSpPr txBox="1"/>
-          <p:nvPr/>
-        </p:nvSpPr>
-        <p:spPr>
-          <a:xfrm>
-            <a:off x="1497496" y="4810539"/>
-            <a:ext cx="437321" cy="369332"/>
-          </a:xfrm>
-          <a:prstGeom prst="rect">
-            <a:avLst/>
-          </a:prstGeom>
-          <a:noFill/>
-        </p:spPr>
-        <p:txBody>
-          <a:bodyPr wrap="square" rtlCol="0">
-            <a:spAutoFit/>
-          </a:bodyPr>
-          <a:lstStyle/>
-          <a:p>
-            <a:r>
-              <a:rPr lang="en-US" dirty="0"/>
-              <a:t>1</a:t>
-            </a:r>
-          </a:p>
-        </p:txBody>
-      </p:sp>
-      <p:sp>
-        <p:nvSpPr>
-          <p:cNvPr id="18" name="TextBox 17">
-            <a:extLst>
-              <a:ext uri="{FF2B5EF4-FFF2-40B4-BE49-F238E27FC236}">
-                <a16:creationId xmlns:a16="http://schemas.microsoft.com/office/drawing/2014/main" id="{6E34009D-E249-49FD-B7AD-857570BEDB60}"/>
-              </a:ext>
-            </a:extLst>
-          </p:cNvPr>
-          <p:cNvSpPr txBox="1"/>
-          <p:nvPr/>
-        </p:nvSpPr>
-        <p:spPr>
-          <a:xfrm>
-            <a:off x="3220278" y="5179871"/>
-            <a:ext cx="410818" cy="369332"/>
-          </a:xfrm>
-          <a:prstGeom prst="rect">
-            <a:avLst/>
-          </a:prstGeom>
-          <a:noFill/>
-        </p:spPr>
-        <p:txBody>
-          <a:bodyPr wrap="square" rtlCol="0">
-            <a:spAutoFit/>
-          </a:bodyPr>
-          <a:lstStyle/>
-          <a:p>
-            <a:r>
-              <a:rPr lang="en-US" dirty="0"/>
-              <a:t>1</a:t>
-            </a:r>
-          </a:p>
-        </p:txBody>
-      </p:sp>
     </p:spTree>
     <p:extLst>
       <p:ext uri="{BB962C8B-B14F-4D97-AF65-F5344CB8AC3E}">

--- a/docs/ERD.pptx
+++ b/docs/ERD.pptx
@@ -3632,8 +3632,8 @@
         </p:nvSpPr>
         <p:spPr>
           <a:xfrm>
-            <a:off x="3449682" y="436169"/>
-            <a:ext cx="5027595" cy="923330"/>
+            <a:off x="3229302" y="436169"/>
+            <a:ext cx="5468356" cy="923330"/>
           </a:xfrm>
           <a:prstGeom prst="rect">
             <a:avLst/>
@@ -3684,7 +3684,7 @@
                   </a:outerShdw>
                 </a:effectLst>
               </a:rPr>
-              <a:t>task_db</a:t>
+              <a:t>event_db</a:t>
             </a:r>
             <a:endParaRPr lang="en-US" sz="5400" b="0" cap="none" spc="0" dirty="0">
               <a:ln w="0"/>

--- a/docs/ERD.pptx
+++ b/docs/ERD.pptx
@@ -7,6 +7,7 @@
   <p:sldIdLst>
     <p:sldId id="256" r:id="rId2"/>
     <p:sldId id="257" r:id="rId3"/>
+    <p:sldId id="258" r:id="rId4"/>
   </p:sldIdLst>
   <p:sldSz cx="12192000" cy="6858000"/>
   <p:notesSz cx="6858000" cy="9144000"/>
@@ -260,7 +261,7 @@
           <a:p>
             <a:fld id="{DC4CDE95-0C40-4932-A8F9-40B00629D7A8}" type="datetimeFigureOut">
               <a:rPr lang="en-US" smtClean="0"/>
-              <a:t>11/29/2021</a:t>
+              <a:t>11/30/2021</a:t>
             </a:fld>
             <a:endParaRPr lang="en-US"/>
           </a:p>
@@ -458,7 +459,7 @@
           <a:p>
             <a:fld id="{DC4CDE95-0C40-4932-A8F9-40B00629D7A8}" type="datetimeFigureOut">
               <a:rPr lang="en-US" smtClean="0"/>
-              <a:t>11/29/2021</a:t>
+              <a:t>11/30/2021</a:t>
             </a:fld>
             <a:endParaRPr lang="en-US"/>
           </a:p>
@@ -666,7 +667,7 @@
           <a:p>
             <a:fld id="{DC4CDE95-0C40-4932-A8F9-40B00629D7A8}" type="datetimeFigureOut">
               <a:rPr lang="en-US" smtClean="0"/>
-              <a:t>11/29/2021</a:t>
+              <a:t>11/30/2021</a:t>
             </a:fld>
             <a:endParaRPr lang="en-US"/>
           </a:p>
@@ -864,7 +865,7 @@
           <a:p>
             <a:fld id="{DC4CDE95-0C40-4932-A8F9-40B00629D7A8}" type="datetimeFigureOut">
               <a:rPr lang="en-US" smtClean="0"/>
-              <a:t>11/29/2021</a:t>
+              <a:t>11/30/2021</a:t>
             </a:fld>
             <a:endParaRPr lang="en-US"/>
           </a:p>
@@ -1139,7 +1140,7 @@
           <a:p>
             <a:fld id="{DC4CDE95-0C40-4932-A8F9-40B00629D7A8}" type="datetimeFigureOut">
               <a:rPr lang="en-US" smtClean="0"/>
-              <a:t>11/29/2021</a:t>
+              <a:t>11/30/2021</a:t>
             </a:fld>
             <a:endParaRPr lang="en-US"/>
           </a:p>
@@ -1404,7 +1405,7 @@
           <a:p>
             <a:fld id="{DC4CDE95-0C40-4932-A8F9-40B00629D7A8}" type="datetimeFigureOut">
               <a:rPr lang="en-US" smtClean="0"/>
-              <a:t>11/29/2021</a:t>
+              <a:t>11/30/2021</a:t>
             </a:fld>
             <a:endParaRPr lang="en-US"/>
           </a:p>
@@ -1816,7 +1817,7 @@
           <a:p>
             <a:fld id="{DC4CDE95-0C40-4932-A8F9-40B00629D7A8}" type="datetimeFigureOut">
               <a:rPr lang="en-US" smtClean="0"/>
-              <a:t>11/29/2021</a:t>
+              <a:t>11/30/2021</a:t>
             </a:fld>
             <a:endParaRPr lang="en-US"/>
           </a:p>
@@ -1957,7 +1958,7 @@
           <a:p>
             <a:fld id="{DC4CDE95-0C40-4932-A8F9-40B00629D7A8}" type="datetimeFigureOut">
               <a:rPr lang="en-US" smtClean="0"/>
-              <a:t>11/29/2021</a:t>
+              <a:t>11/30/2021</a:t>
             </a:fld>
             <a:endParaRPr lang="en-US"/>
           </a:p>
@@ -2070,7 +2071,7 @@
           <a:p>
             <a:fld id="{DC4CDE95-0C40-4932-A8F9-40B00629D7A8}" type="datetimeFigureOut">
               <a:rPr lang="en-US" smtClean="0"/>
-              <a:t>11/29/2021</a:t>
+              <a:t>11/30/2021</a:t>
             </a:fld>
             <a:endParaRPr lang="en-US"/>
           </a:p>
@@ -2381,7 +2382,7 @@
           <a:p>
             <a:fld id="{DC4CDE95-0C40-4932-A8F9-40B00629D7A8}" type="datetimeFigureOut">
               <a:rPr lang="en-US" smtClean="0"/>
-              <a:t>11/29/2021</a:t>
+              <a:t>11/30/2021</a:t>
             </a:fld>
             <a:endParaRPr lang="en-US"/>
           </a:p>
@@ -2669,7 +2670,7 @@
           <a:p>
             <a:fld id="{DC4CDE95-0C40-4932-A8F9-40B00629D7A8}" type="datetimeFigureOut">
               <a:rPr lang="en-US" smtClean="0"/>
-              <a:t>11/29/2021</a:t>
+              <a:t>11/30/2021</a:t>
             </a:fld>
             <a:endParaRPr lang="en-US"/>
           </a:p>
@@ -2910,7 +2911,7 @@
           <a:p>
             <a:fld id="{DC4CDE95-0C40-4932-A8F9-40B00629D7A8}" type="datetimeFigureOut">
               <a:rPr lang="en-US" smtClean="0"/>
-              <a:t>11/29/2021</a:t>
+              <a:t>11/30/2021</a:t>
             </a:fld>
             <a:endParaRPr lang="en-US"/>
           </a:p>
@@ -3832,6 +3833,986 @@
 </p:sld>
 </file>
 
+<file path=ppt/slides/slide3.xml><?xml version="1.0" encoding="utf-8"?>
+<p:sld xmlns:a="http://schemas.openxmlformats.org/drawingml/2006/main" xmlns:r="http://schemas.openxmlformats.org/officeDocument/2006/relationships" xmlns:p="http://schemas.openxmlformats.org/presentationml/2006/main">
+  <p:cSld>
+    <p:spTree>
+      <p:nvGrpSpPr>
+        <p:cNvPr id="1" name=""/>
+        <p:cNvGrpSpPr/>
+        <p:nvPr/>
+      </p:nvGrpSpPr>
+      <p:grpSpPr>
+        <a:xfrm>
+          <a:off x="0" y="0"/>
+          <a:ext cx="0" cy="0"/>
+          <a:chOff x="0" y="0"/>
+          <a:chExt cx="0" cy="0"/>
+        </a:xfrm>
+      </p:grpSpPr>
+      <p:graphicFrame>
+        <p:nvGraphicFramePr>
+          <p:cNvPr id="4" name="Table 4">
+            <a:extLst>
+              <a:ext uri="{FF2B5EF4-FFF2-40B4-BE49-F238E27FC236}">
+                <a16:creationId xmlns:a16="http://schemas.microsoft.com/office/drawing/2014/main" id="{EF33A2B5-5521-4521-93FD-DF53F59C0801}"/>
+              </a:ext>
+            </a:extLst>
+          </p:cNvPr>
+          <p:cNvGraphicFramePr>
+            <a:graphicFrameLocks noGrp="1"/>
+          </p:cNvGraphicFramePr>
+          <p:nvPr>
+            <p:extLst>
+              <p:ext uri="{D42A27DB-BD31-4B8C-83A1-F6EECF244321}">
+                <p14:modId xmlns:p14="http://schemas.microsoft.com/office/powerpoint/2010/main" val="1044956460"/>
+              </p:ext>
+            </p:extLst>
+          </p:nvPr>
+        </p:nvGraphicFramePr>
+        <p:xfrm>
+          <a:off x="680277" y="1011213"/>
+          <a:ext cx="2526749" cy="1833880"/>
+        </p:xfrm>
+        <a:graphic>
+          <a:graphicData uri="http://schemas.openxmlformats.org/drawingml/2006/table">
+            <a:tbl>
+              <a:tblPr firstRow="1" bandRow="1">
+                <a:tableStyleId>{5C22544A-7EE6-4342-B048-85BDC9FD1C3A}</a:tableStyleId>
+              </a:tblPr>
+              <a:tblGrid>
+                <a:gridCol w="2526749">
+                  <a:extLst>
+                    <a:ext uri="{9D8B030D-6E8A-4147-A177-3AD203B41FA5}">
+                      <a16:colId xmlns:a16="http://schemas.microsoft.com/office/drawing/2014/main" val="39126689"/>
+                    </a:ext>
+                  </a:extLst>
+                </a:gridCol>
+              </a:tblGrid>
+              <a:tr h="370840">
+                <a:tc>
+                  <a:txBody>
+                    <a:bodyPr/>
+                    <a:lstStyle/>
+                    <a:p>
+                      <a:pPr algn="ctr"/>
+                      <a:r>
+                        <a:rPr lang="en-US" dirty="0"/>
+                        <a:t>Users</a:t>
+                      </a:r>
+                    </a:p>
+                  </a:txBody>
+                  <a:tcPr/>
+                </a:tc>
+                <a:extLst>
+                  <a:ext uri="{0D108BD9-81ED-4DB2-BD59-A6C34878D82A}">
+                    <a16:rowId xmlns:a16="http://schemas.microsoft.com/office/drawing/2014/main" val="2052557140"/>
+                  </a:ext>
+                </a:extLst>
+              </a:tr>
+              <a:tr h="370840">
+                <a:tc>
+                  <a:txBody>
+                    <a:bodyPr/>
+                    <a:lstStyle/>
+                    <a:p>
+                      <a:pPr marL="285750" indent="-285750">
+                        <a:buFontTx/>
+                        <a:buChar char="-"/>
+                      </a:pPr>
+                      <a:r>
+                        <a:rPr lang="en-US" dirty="0"/>
+                        <a:t>Username</a:t>
+                      </a:r>
+                    </a:p>
+                    <a:p>
+                      <a:pPr marL="285750" indent="-285750">
+                        <a:buFontTx/>
+                        <a:buChar char="-"/>
+                      </a:pPr>
+                      <a:r>
+                        <a:rPr lang="en-US" dirty="0"/>
+                        <a:t>Email</a:t>
+                      </a:r>
+                    </a:p>
+                    <a:p>
+                      <a:pPr marL="285750" indent="-285750">
+                        <a:buFontTx/>
+                        <a:buChar char="-"/>
+                      </a:pPr>
+                      <a:r>
+                        <a:rPr lang="en-US" dirty="0"/>
+                        <a:t>Password</a:t>
+                      </a:r>
+                    </a:p>
+                    <a:p>
+                      <a:pPr marL="285750" indent="-285750">
+                        <a:buFontTx/>
+                        <a:buChar char="-"/>
+                      </a:pPr>
+                      <a:r>
+                        <a:rPr lang="en-US" dirty="0"/>
+                        <a:t>Profile</a:t>
+                      </a:r>
+                    </a:p>
+                    <a:p>
+                      <a:pPr marL="285750" indent="-285750">
+                        <a:buFontTx/>
+                        <a:buChar char="-"/>
+                      </a:pPr>
+                      <a:r>
+                        <a:rPr lang="en-US" dirty="0"/>
+                        <a:t>Confirm password</a:t>
+                      </a:r>
+                    </a:p>
+                  </a:txBody>
+                  <a:tcPr/>
+                </a:tc>
+                <a:extLst>
+                  <a:ext uri="{0D108BD9-81ED-4DB2-BD59-A6C34878D82A}">
+                    <a16:rowId xmlns:a16="http://schemas.microsoft.com/office/drawing/2014/main" val="1679298465"/>
+                  </a:ext>
+                </a:extLst>
+              </a:tr>
+            </a:tbl>
+          </a:graphicData>
+        </a:graphic>
+      </p:graphicFrame>
+      <p:graphicFrame>
+        <p:nvGraphicFramePr>
+          <p:cNvPr id="5" name="Table 6">
+            <a:extLst>
+              <a:ext uri="{FF2B5EF4-FFF2-40B4-BE49-F238E27FC236}">
+                <a16:creationId xmlns:a16="http://schemas.microsoft.com/office/drawing/2014/main" id="{70362CC9-C59C-4B3A-9A63-12C56A125E9A}"/>
+              </a:ext>
+            </a:extLst>
+          </p:cNvPr>
+          <p:cNvGraphicFramePr>
+            <a:graphicFrameLocks noGrp="1"/>
+          </p:cNvGraphicFramePr>
+          <p:nvPr>
+            <p:extLst>
+              <p:ext uri="{D42A27DB-BD31-4B8C-83A1-F6EECF244321}">
+                <p14:modId xmlns:p14="http://schemas.microsoft.com/office/powerpoint/2010/main" val="4290718539"/>
+              </p:ext>
+            </p:extLst>
+          </p:nvPr>
+        </p:nvGraphicFramePr>
+        <p:xfrm>
+          <a:off x="6652592" y="1011213"/>
+          <a:ext cx="3030330" cy="1010920"/>
+        </p:xfrm>
+        <a:graphic>
+          <a:graphicData uri="http://schemas.openxmlformats.org/drawingml/2006/table">
+            <a:tbl>
+              <a:tblPr firstRow="1" bandRow="1">
+                <a:tableStyleId>{5C22544A-7EE6-4342-B048-85BDC9FD1C3A}</a:tableStyleId>
+              </a:tblPr>
+              <a:tblGrid>
+                <a:gridCol w="3030330">
+                  <a:extLst>
+                    <a:ext uri="{9D8B030D-6E8A-4147-A177-3AD203B41FA5}">
+                      <a16:colId xmlns:a16="http://schemas.microsoft.com/office/drawing/2014/main" val="600806955"/>
+                    </a:ext>
+                  </a:extLst>
+                </a:gridCol>
+              </a:tblGrid>
+              <a:tr h="370840">
+                <a:tc>
+                  <a:txBody>
+                    <a:bodyPr/>
+                    <a:lstStyle/>
+                    <a:p>
+                      <a:pPr algn="ctr"/>
+                      <a:r>
+                        <a:rPr lang="en-US" dirty="0"/>
+                        <a:t>Join</a:t>
+                      </a:r>
+                    </a:p>
+                  </a:txBody>
+                  <a:tcPr/>
+                </a:tc>
+                <a:extLst>
+                  <a:ext uri="{0D108BD9-81ED-4DB2-BD59-A6C34878D82A}">
+                    <a16:rowId xmlns:a16="http://schemas.microsoft.com/office/drawing/2014/main" val="3600725539"/>
+                  </a:ext>
+                </a:extLst>
+              </a:tr>
+              <a:tr h="370840">
+                <a:tc>
+                  <a:txBody>
+                    <a:bodyPr/>
+                    <a:lstStyle/>
+                    <a:p>
+                      <a:pPr marL="285750" indent="-285750">
+                        <a:buFontTx/>
+                        <a:buChar char="-"/>
+                      </a:pPr>
+                      <a:r>
+                        <a:rPr lang="en-US" dirty="0" err="1"/>
+                        <a:t>userId</a:t>
+                      </a:r>
+                      <a:endParaRPr lang="en-US" dirty="0"/>
+                    </a:p>
+                    <a:p>
+                      <a:pPr marL="285750" indent="-285750">
+                        <a:buFontTx/>
+                        <a:buChar char="-"/>
+                      </a:pPr>
+                      <a:r>
+                        <a:rPr lang="en-US" dirty="0" err="1"/>
+                        <a:t>eventId</a:t>
+                      </a:r>
+                      <a:endParaRPr lang="en-US" dirty="0"/>
+                    </a:p>
+                  </a:txBody>
+                  <a:tcPr/>
+                </a:tc>
+                <a:extLst>
+                  <a:ext uri="{0D108BD9-81ED-4DB2-BD59-A6C34878D82A}">
+                    <a16:rowId xmlns:a16="http://schemas.microsoft.com/office/drawing/2014/main" val="3110553326"/>
+                  </a:ext>
+                </a:extLst>
+              </a:tr>
+            </a:tbl>
+          </a:graphicData>
+        </a:graphic>
+      </p:graphicFrame>
+      <p:cxnSp>
+        <p:nvCxnSpPr>
+          <p:cNvPr id="6" name="Straight Arrow Connector 5">
+            <a:extLst>
+              <a:ext uri="{FF2B5EF4-FFF2-40B4-BE49-F238E27FC236}">
+                <a16:creationId xmlns:a16="http://schemas.microsoft.com/office/drawing/2014/main" id="{DCC0BC56-6BC7-4CB2-8E48-306343A2E16E}"/>
+              </a:ext>
+            </a:extLst>
+          </p:cNvPr>
+          <p:cNvCxnSpPr>
+            <a:endCxn id="5" idx="1"/>
+          </p:cNvCxnSpPr>
+          <p:nvPr/>
+        </p:nvCxnSpPr>
+        <p:spPr>
+          <a:xfrm>
+            <a:off x="3207026" y="1516673"/>
+            <a:ext cx="3445566" cy="0"/>
+          </a:xfrm>
+          <a:prstGeom prst="straightConnector1">
+            <a:avLst/>
+          </a:prstGeom>
+          <a:ln>
+            <a:tailEnd type="triangle"/>
+          </a:ln>
+        </p:spPr>
+        <p:style>
+          <a:lnRef idx="1">
+            <a:schemeClr val="accent1"/>
+          </a:lnRef>
+          <a:fillRef idx="0">
+            <a:schemeClr val="accent1"/>
+          </a:fillRef>
+          <a:effectRef idx="0">
+            <a:schemeClr val="accent1"/>
+          </a:effectRef>
+          <a:fontRef idx="minor">
+            <a:schemeClr val="tx1"/>
+          </a:fontRef>
+        </p:style>
+      </p:cxnSp>
+      <p:graphicFrame>
+        <p:nvGraphicFramePr>
+          <p:cNvPr id="7" name="Table 9">
+            <a:extLst>
+              <a:ext uri="{FF2B5EF4-FFF2-40B4-BE49-F238E27FC236}">
+                <a16:creationId xmlns:a16="http://schemas.microsoft.com/office/drawing/2014/main" id="{355EEE0D-506B-4414-B57A-672076EB1398}"/>
+              </a:ext>
+            </a:extLst>
+          </p:cNvPr>
+          <p:cNvGraphicFramePr>
+            <a:graphicFrameLocks noGrp="1"/>
+          </p:cNvGraphicFramePr>
+          <p:nvPr>
+            <p:extLst>
+              <p:ext uri="{D42A27DB-BD31-4B8C-83A1-F6EECF244321}">
+                <p14:modId xmlns:p14="http://schemas.microsoft.com/office/powerpoint/2010/main" val="2536488604"/>
+              </p:ext>
+            </p:extLst>
+          </p:nvPr>
+        </p:nvGraphicFramePr>
+        <p:xfrm>
+          <a:off x="6652592" y="4306002"/>
+          <a:ext cx="3030330" cy="2108200"/>
+        </p:xfrm>
+        <a:graphic>
+          <a:graphicData uri="http://schemas.openxmlformats.org/drawingml/2006/table">
+            <a:tbl>
+              <a:tblPr firstRow="1" bandRow="1">
+                <a:tableStyleId>{5C22544A-7EE6-4342-B048-85BDC9FD1C3A}</a:tableStyleId>
+              </a:tblPr>
+              <a:tblGrid>
+                <a:gridCol w="3030330">
+                  <a:extLst>
+                    <a:ext uri="{9D8B030D-6E8A-4147-A177-3AD203B41FA5}">
+                      <a16:colId xmlns:a16="http://schemas.microsoft.com/office/drawing/2014/main" val="3953614921"/>
+                    </a:ext>
+                  </a:extLst>
+                </a:gridCol>
+              </a:tblGrid>
+              <a:tr h="370840">
+                <a:tc>
+                  <a:txBody>
+                    <a:bodyPr/>
+                    <a:lstStyle/>
+                    <a:p>
+                      <a:pPr algn="ctr"/>
+                      <a:r>
+                        <a:rPr lang="en-US" dirty="0"/>
+                        <a:t>Events</a:t>
+                      </a:r>
+                    </a:p>
+                  </a:txBody>
+                  <a:tcPr/>
+                </a:tc>
+                <a:extLst>
+                  <a:ext uri="{0D108BD9-81ED-4DB2-BD59-A6C34878D82A}">
+                    <a16:rowId xmlns:a16="http://schemas.microsoft.com/office/drawing/2014/main" val="2163336974"/>
+                  </a:ext>
+                </a:extLst>
+              </a:tr>
+              <a:tr h="370840">
+                <a:tc>
+                  <a:txBody>
+                    <a:bodyPr/>
+                    <a:lstStyle/>
+                    <a:p>
+                      <a:pPr marL="285750" indent="-285750">
+                        <a:buFontTx/>
+                        <a:buChar char="-"/>
+                      </a:pPr>
+                      <a:r>
+                        <a:rPr lang="en-US" dirty="0"/>
+                        <a:t>Title</a:t>
+                      </a:r>
+                    </a:p>
+                    <a:p>
+                      <a:pPr marL="285750" indent="-285750">
+                        <a:buFontTx/>
+                        <a:buChar char="-"/>
+                      </a:pPr>
+                      <a:r>
+                        <a:rPr lang="en-US" dirty="0"/>
+                        <a:t>Description</a:t>
+                      </a:r>
+                    </a:p>
+                    <a:p>
+                      <a:pPr marL="285750" indent="-285750">
+                        <a:buFontTx/>
+                        <a:buChar char="-"/>
+                      </a:pPr>
+                      <a:r>
+                        <a:rPr lang="en-US" dirty="0"/>
+                        <a:t>Image</a:t>
+                      </a:r>
+                    </a:p>
+                    <a:p>
+                      <a:pPr marL="285750" indent="-285750">
+                        <a:buFontTx/>
+                        <a:buChar char="-"/>
+                      </a:pPr>
+                      <a:r>
+                        <a:rPr lang="en-US" dirty="0"/>
+                        <a:t>Start date </a:t>
+                      </a:r>
+                    </a:p>
+                    <a:p>
+                      <a:pPr marL="285750" indent="-285750">
+                        <a:buFontTx/>
+                        <a:buChar char="-"/>
+                      </a:pPr>
+                      <a:r>
+                        <a:rPr lang="en-US" dirty="0"/>
+                        <a:t>End date</a:t>
+                      </a:r>
+                    </a:p>
+                    <a:p>
+                      <a:pPr marL="285750" indent="-285750">
+                        <a:buFontTx/>
+                        <a:buChar char="-"/>
+                      </a:pPr>
+                      <a:r>
+                        <a:rPr lang="en-US" dirty="0" err="1"/>
+                        <a:t>userId</a:t>
+                      </a:r>
+                      <a:endParaRPr lang="en-US" dirty="0"/>
+                    </a:p>
+                  </a:txBody>
+                  <a:tcPr/>
+                </a:tc>
+                <a:extLst>
+                  <a:ext uri="{0D108BD9-81ED-4DB2-BD59-A6C34878D82A}">
+                    <a16:rowId xmlns:a16="http://schemas.microsoft.com/office/drawing/2014/main" val="1844612072"/>
+                  </a:ext>
+                </a:extLst>
+              </a:tr>
+            </a:tbl>
+          </a:graphicData>
+        </a:graphic>
+      </p:graphicFrame>
+      <p:graphicFrame>
+        <p:nvGraphicFramePr>
+          <p:cNvPr id="8" name="Table 10">
+            <a:extLst>
+              <a:ext uri="{FF2B5EF4-FFF2-40B4-BE49-F238E27FC236}">
+                <a16:creationId xmlns:a16="http://schemas.microsoft.com/office/drawing/2014/main" id="{0DD5C474-3243-49B2-9FF9-8D7A4583F817}"/>
+              </a:ext>
+            </a:extLst>
+          </p:cNvPr>
+          <p:cNvGraphicFramePr>
+            <a:graphicFrameLocks noGrp="1"/>
+          </p:cNvGraphicFramePr>
+          <p:nvPr>
+            <p:extLst>
+              <p:ext uri="{D42A27DB-BD31-4B8C-83A1-F6EECF244321}">
+                <p14:modId xmlns:p14="http://schemas.microsoft.com/office/powerpoint/2010/main" val="4053872898"/>
+              </p:ext>
+            </p:extLst>
+          </p:nvPr>
+        </p:nvGraphicFramePr>
+        <p:xfrm>
+          <a:off x="1475411" y="4491532"/>
+          <a:ext cx="2023163" cy="1285240"/>
+        </p:xfrm>
+        <a:graphic>
+          <a:graphicData uri="http://schemas.openxmlformats.org/drawingml/2006/table">
+            <a:tbl>
+              <a:tblPr firstRow="1" bandRow="1">
+                <a:tableStyleId>{5C22544A-7EE6-4342-B048-85BDC9FD1C3A}</a:tableStyleId>
+              </a:tblPr>
+              <a:tblGrid>
+                <a:gridCol w="2023163">
+                  <a:extLst>
+                    <a:ext uri="{9D8B030D-6E8A-4147-A177-3AD203B41FA5}">
+                      <a16:colId xmlns:a16="http://schemas.microsoft.com/office/drawing/2014/main" val="3257815290"/>
+                    </a:ext>
+                  </a:extLst>
+                </a:gridCol>
+              </a:tblGrid>
+              <a:tr h="370840">
+                <a:tc>
+                  <a:txBody>
+                    <a:bodyPr/>
+                    <a:lstStyle/>
+                    <a:p>
+                      <a:pPr algn="ctr"/>
+                      <a:r>
+                        <a:rPr lang="en-US" dirty="0"/>
+                        <a:t>category</a:t>
+                      </a:r>
+                    </a:p>
+                  </a:txBody>
+                  <a:tcPr/>
+                </a:tc>
+                <a:extLst>
+                  <a:ext uri="{0D108BD9-81ED-4DB2-BD59-A6C34878D82A}">
+                    <a16:rowId xmlns:a16="http://schemas.microsoft.com/office/drawing/2014/main" val="1876320004"/>
+                  </a:ext>
+                </a:extLst>
+              </a:tr>
+              <a:tr h="370840">
+                <a:tc>
+                  <a:txBody>
+                    <a:bodyPr/>
+                    <a:lstStyle/>
+                    <a:p>
+                      <a:pPr marL="285750" indent="-285750">
+                        <a:buFontTx/>
+                        <a:buChar char="-"/>
+                      </a:pPr>
+                      <a:r>
+                        <a:rPr lang="en-US" dirty="0" err="1"/>
+                        <a:t>Category_id</a:t>
+                      </a:r>
+                      <a:endParaRPr lang="en-US" dirty="0"/>
+                    </a:p>
+                    <a:p>
+                      <a:pPr marL="285750" indent="-285750">
+                        <a:buFontTx/>
+                        <a:buChar char="-"/>
+                      </a:pPr>
+                      <a:r>
+                        <a:rPr lang="en-US" dirty="0" err="1"/>
+                        <a:t>Categoryname</a:t>
+                      </a:r>
+                      <a:endParaRPr lang="en-US" dirty="0"/>
+                    </a:p>
+                    <a:p>
+                      <a:pPr marL="285750" indent="-285750">
+                        <a:buFontTx/>
+                        <a:buChar char="-"/>
+                      </a:pPr>
+                      <a:endParaRPr lang="en-US" dirty="0"/>
+                    </a:p>
+                  </a:txBody>
+                  <a:tcPr/>
+                </a:tc>
+                <a:extLst>
+                  <a:ext uri="{0D108BD9-81ED-4DB2-BD59-A6C34878D82A}">
+                    <a16:rowId xmlns:a16="http://schemas.microsoft.com/office/drawing/2014/main" val="18364234"/>
+                  </a:ext>
+                </a:extLst>
+              </a:tr>
+            </a:tbl>
+          </a:graphicData>
+        </a:graphic>
+      </p:graphicFrame>
+      <p:cxnSp>
+        <p:nvCxnSpPr>
+          <p:cNvPr id="9" name="Straight Arrow Connector 8">
+            <a:extLst>
+              <a:ext uri="{FF2B5EF4-FFF2-40B4-BE49-F238E27FC236}">
+                <a16:creationId xmlns:a16="http://schemas.microsoft.com/office/drawing/2014/main" id="{606DA66B-90F4-4CA1-912C-09203B57580A}"/>
+              </a:ext>
+            </a:extLst>
+          </p:cNvPr>
+          <p:cNvCxnSpPr/>
+          <p:nvPr/>
+        </p:nvCxnSpPr>
+        <p:spPr>
+          <a:xfrm>
+            <a:off x="8759687" y="2022133"/>
+            <a:ext cx="0" cy="2283869"/>
+          </a:xfrm>
+          <a:prstGeom prst="straightConnector1">
+            <a:avLst/>
+          </a:prstGeom>
+          <a:ln>
+            <a:tailEnd type="triangle"/>
+          </a:ln>
+        </p:spPr>
+        <p:style>
+          <a:lnRef idx="1">
+            <a:schemeClr val="accent1"/>
+          </a:lnRef>
+          <a:fillRef idx="0">
+            <a:schemeClr val="accent1"/>
+          </a:fillRef>
+          <a:effectRef idx="0">
+            <a:schemeClr val="accent1"/>
+          </a:effectRef>
+          <a:fontRef idx="minor">
+            <a:schemeClr val="tx1"/>
+          </a:fontRef>
+        </p:style>
+      </p:cxnSp>
+      <p:cxnSp>
+        <p:nvCxnSpPr>
+          <p:cNvPr id="10" name="Connector: Elbow 9">
+            <a:extLst>
+              <a:ext uri="{FF2B5EF4-FFF2-40B4-BE49-F238E27FC236}">
+                <a16:creationId xmlns:a16="http://schemas.microsoft.com/office/drawing/2014/main" id="{702632B2-4688-4586-A88D-6C3BBD482220}"/>
+              </a:ext>
+            </a:extLst>
+          </p:cNvPr>
+          <p:cNvCxnSpPr/>
+          <p:nvPr/>
+        </p:nvCxnSpPr>
+        <p:spPr>
+          <a:xfrm>
+            <a:off x="3207026" y="2623930"/>
+            <a:ext cx="3445566" cy="1881809"/>
+          </a:xfrm>
+          <a:prstGeom prst="bentConnector3">
+            <a:avLst/>
+          </a:prstGeom>
+          <a:ln>
+            <a:tailEnd type="triangle"/>
+          </a:ln>
+        </p:spPr>
+        <p:style>
+          <a:lnRef idx="1">
+            <a:schemeClr val="accent1"/>
+          </a:lnRef>
+          <a:fillRef idx="0">
+            <a:schemeClr val="accent1"/>
+          </a:fillRef>
+          <a:effectRef idx="0">
+            <a:schemeClr val="accent1"/>
+          </a:effectRef>
+          <a:fontRef idx="minor">
+            <a:schemeClr val="tx1"/>
+          </a:fontRef>
+        </p:style>
+      </p:cxnSp>
+      <p:sp>
+        <p:nvSpPr>
+          <p:cNvPr id="11" name="TextBox 10">
+            <a:extLst>
+              <a:ext uri="{FF2B5EF4-FFF2-40B4-BE49-F238E27FC236}">
+                <a16:creationId xmlns:a16="http://schemas.microsoft.com/office/drawing/2014/main" id="{39AE3A44-DC33-40FD-A490-61167AA607F7}"/>
+              </a:ext>
+            </a:extLst>
+          </p:cNvPr>
+          <p:cNvSpPr txBox="1"/>
+          <p:nvPr/>
+        </p:nvSpPr>
+        <p:spPr>
+          <a:xfrm>
+            <a:off x="3207026" y="2266122"/>
+            <a:ext cx="463824" cy="369332"/>
+          </a:xfrm>
+          <a:prstGeom prst="rect">
+            <a:avLst/>
+          </a:prstGeom>
+          <a:noFill/>
+        </p:spPr>
+        <p:txBody>
+          <a:bodyPr wrap="square" rtlCol="0">
+            <a:spAutoFit/>
+          </a:bodyPr>
+          <a:lstStyle/>
+          <a:p>
+            <a:r>
+              <a:rPr lang="en-US" dirty="0"/>
+              <a:t>1</a:t>
+            </a:r>
+          </a:p>
+        </p:txBody>
+      </p:sp>
+      <p:sp>
+        <p:nvSpPr>
+          <p:cNvPr id="12" name="TextBox 11">
+            <a:extLst>
+              <a:ext uri="{FF2B5EF4-FFF2-40B4-BE49-F238E27FC236}">
+                <a16:creationId xmlns:a16="http://schemas.microsoft.com/office/drawing/2014/main" id="{DBCCF894-B392-428B-93AD-4288D71B9619}"/>
+              </a:ext>
+            </a:extLst>
+          </p:cNvPr>
+          <p:cNvSpPr txBox="1"/>
+          <p:nvPr/>
+        </p:nvSpPr>
+        <p:spPr>
+          <a:xfrm>
+            <a:off x="8958470" y="3936670"/>
+            <a:ext cx="525669" cy="369332"/>
+          </a:xfrm>
+          <a:prstGeom prst="rect">
+            <a:avLst/>
+          </a:prstGeom>
+          <a:noFill/>
+        </p:spPr>
+        <p:txBody>
+          <a:bodyPr wrap="square" rtlCol="0">
+            <a:spAutoFit/>
+          </a:bodyPr>
+          <a:lstStyle/>
+          <a:p>
+            <a:r>
+              <a:rPr lang="en-US" dirty="0"/>
+              <a:t>*</a:t>
+            </a:r>
+          </a:p>
+        </p:txBody>
+      </p:sp>
+      <p:cxnSp>
+        <p:nvCxnSpPr>
+          <p:cNvPr id="13" name="Straight Arrow Connector 12">
+            <a:extLst>
+              <a:ext uri="{FF2B5EF4-FFF2-40B4-BE49-F238E27FC236}">
+                <a16:creationId xmlns:a16="http://schemas.microsoft.com/office/drawing/2014/main" id="{2B77670F-27B5-496E-B52E-737B6D8F0F63}"/>
+              </a:ext>
+            </a:extLst>
+          </p:cNvPr>
+          <p:cNvCxnSpPr>
+            <a:cxnSpLocks/>
+          </p:cNvCxnSpPr>
+          <p:nvPr/>
+        </p:nvCxnSpPr>
+        <p:spPr>
+          <a:xfrm flipH="1">
+            <a:off x="3582506" y="5035826"/>
+            <a:ext cx="3070086" cy="0"/>
+          </a:xfrm>
+          <a:prstGeom prst="straightConnector1">
+            <a:avLst/>
+          </a:prstGeom>
+          <a:ln>
+            <a:tailEnd type="triangle"/>
+          </a:ln>
+        </p:spPr>
+        <p:style>
+          <a:lnRef idx="1">
+            <a:schemeClr val="accent1"/>
+          </a:lnRef>
+          <a:fillRef idx="0">
+            <a:schemeClr val="accent1"/>
+          </a:fillRef>
+          <a:effectRef idx="0">
+            <a:schemeClr val="accent1"/>
+          </a:effectRef>
+          <a:fontRef idx="minor">
+            <a:schemeClr val="tx1"/>
+          </a:fontRef>
+        </p:style>
+      </p:cxnSp>
+      <p:sp>
+        <p:nvSpPr>
+          <p:cNvPr id="14" name="TextBox 13">
+            <a:extLst>
+              <a:ext uri="{FF2B5EF4-FFF2-40B4-BE49-F238E27FC236}">
+                <a16:creationId xmlns:a16="http://schemas.microsoft.com/office/drawing/2014/main" id="{F1B986C6-EFD9-4B89-B570-AA73EB7C03C5}"/>
+              </a:ext>
+            </a:extLst>
+          </p:cNvPr>
+          <p:cNvSpPr txBox="1"/>
+          <p:nvPr/>
+        </p:nvSpPr>
+        <p:spPr>
+          <a:xfrm>
+            <a:off x="5972312" y="998437"/>
+            <a:ext cx="609600" cy="369332"/>
+          </a:xfrm>
+          <a:prstGeom prst="rect">
+            <a:avLst/>
+          </a:prstGeom>
+          <a:noFill/>
+        </p:spPr>
+        <p:txBody>
+          <a:bodyPr wrap="square" rtlCol="0">
+            <a:spAutoFit/>
+          </a:bodyPr>
+          <a:lstStyle/>
+          <a:p>
+            <a:r>
+              <a:rPr lang="en-US" dirty="0"/>
+              <a:t>*</a:t>
+            </a:r>
+          </a:p>
+        </p:txBody>
+      </p:sp>
+      <p:sp>
+        <p:nvSpPr>
+          <p:cNvPr id="15" name="TextBox 14">
+            <a:extLst>
+              <a:ext uri="{FF2B5EF4-FFF2-40B4-BE49-F238E27FC236}">
+                <a16:creationId xmlns:a16="http://schemas.microsoft.com/office/drawing/2014/main" id="{F7E79F15-DDF1-4EC5-835E-B2FBB4525081}"/>
+              </a:ext>
+            </a:extLst>
+          </p:cNvPr>
+          <p:cNvSpPr txBox="1"/>
+          <p:nvPr/>
+        </p:nvSpPr>
+        <p:spPr>
+          <a:xfrm>
+            <a:off x="3198193" y="1091590"/>
+            <a:ext cx="609600" cy="369332"/>
+          </a:xfrm>
+          <a:prstGeom prst="rect">
+            <a:avLst/>
+          </a:prstGeom>
+          <a:noFill/>
+        </p:spPr>
+        <p:txBody>
+          <a:bodyPr wrap="square" rtlCol="0">
+            <a:spAutoFit/>
+          </a:bodyPr>
+          <a:lstStyle/>
+          <a:p>
+            <a:r>
+              <a:rPr lang="en-US" dirty="0"/>
+              <a:t>*</a:t>
+            </a:r>
+          </a:p>
+        </p:txBody>
+      </p:sp>
+      <p:sp>
+        <p:nvSpPr>
+          <p:cNvPr id="16" name="TextBox 15">
+            <a:extLst>
+              <a:ext uri="{FF2B5EF4-FFF2-40B4-BE49-F238E27FC236}">
+                <a16:creationId xmlns:a16="http://schemas.microsoft.com/office/drawing/2014/main" id="{406C6449-FB46-4915-BCFC-D028AE5AD6D0}"/>
+              </a:ext>
+            </a:extLst>
+          </p:cNvPr>
+          <p:cNvSpPr txBox="1"/>
+          <p:nvPr/>
+        </p:nvSpPr>
+        <p:spPr>
+          <a:xfrm>
+            <a:off x="6400800" y="3936670"/>
+            <a:ext cx="251792" cy="369332"/>
+          </a:xfrm>
+          <a:prstGeom prst="rect">
+            <a:avLst/>
+          </a:prstGeom>
+          <a:noFill/>
+        </p:spPr>
+        <p:txBody>
+          <a:bodyPr wrap="square" rtlCol="0">
+            <a:spAutoFit/>
+          </a:bodyPr>
+          <a:lstStyle/>
+          <a:p>
+            <a:r>
+              <a:rPr lang="en-US" dirty="0"/>
+              <a:t>*</a:t>
+            </a:r>
+          </a:p>
+        </p:txBody>
+      </p:sp>
+      <p:sp>
+        <p:nvSpPr>
+          <p:cNvPr id="17" name="TextBox 16">
+            <a:extLst>
+              <a:ext uri="{FF2B5EF4-FFF2-40B4-BE49-F238E27FC236}">
+                <a16:creationId xmlns:a16="http://schemas.microsoft.com/office/drawing/2014/main" id="{F66B8BF0-35ED-464B-9FF8-F26D68A7DB0B}"/>
+              </a:ext>
+            </a:extLst>
+          </p:cNvPr>
+          <p:cNvSpPr txBox="1"/>
+          <p:nvPr/>
+        </p:nvSpPr>
+        <p:spPr>
+          <a:xfrm>
+            <a:off x="3670850" y="5221357"/>
+            <a:ext cx="265046" cy="369332"/>
+          </a:xfrm>
+          <a:prstGeom prst="rect">
+            <a:avLst/>
+          </a:prstGeom>
+          <a:noFill/>
+        </p:spPr>
+        <p:txBody>
+          <a:bodyPr wrap="square" rtlCol="0">
+            <a:spAutoFit/>
+          </a:bodyPr>
+          <a:lstStyle/>
+          <a:p>
+            <a:r>
+              <a:rPr lang="en-US" dirty="0"/>
+              <a:t>1</a:t>
+            </a:r>
+          </a:p>
+        </p:txBody>
+      </p:sp>
+      <p:sp>
+        <p:nvSpPr>
+          <p:cNvPr id="18" name="TextBox 17">
+            <a:extLst>
+              <a:ext uri="{FF2B5EF4-FFF2-40B4-BE49-F238E27FC236}">
+                <a16:creationId xmlns:a16="http://schemas.microsoft.com/office/drawing/2014/main" id="{CF532573-A4BA-4889-8062-BC15CC0FF8BF}"/>
+              </a:ext>
+            </a:extLst>
+          </p:cNvPr>
+          <p:cNvSpPr txBox="1"/>
+          <p:nvPr/>
+        </p:nvSpPr>
+        <p:spPr>
+          <a:xfrm>
+            <a:off x="6294783" y="5221357"/>
+            <a:ext cx="265046" cy="369332"/>
+          </a:xfrm>
+          <a:prstGeom prst="rect">
+            <a:avLst/>
+          </a:prstGeom>
+          <a:noFill/>
+        </p:spPr>
+        <p:txBody>
+          <a:bodyPr wrap="square" rtlCol="0">
+            <a:spAutoFit/>
+          </a:bodyPr>
+          <a:lstStyle/>
+          <a:p>
+            <a:r>
+              <a:rPr lang="en-US" dirty="0"/>
+              <a:t>1</a:t>
+            </a:r>
+          </a:p>
+        </p:txBody>
+      </p:sp>
+      <p:sp>
+        <p:nvSpPr>
+          <p:cNvPr id="19" name="Rectangle 18">
+            <a:extLst>
+              <a:ext uri="{FF2B5EF4-FFF2-40B4-BE49-F238E27FC236}">
+                <a16:creationId xmlns:a16="http://schemas.microsoft.com/office/drawing/2014/main" id="{30BD909C-E9F5-4437-8D0D-5C6B654A9CAB}"/>
+              </a:ext>
+            </a:extLst>
+          </p:cNvPr>
+          <p:cNvSpPr/>
+          <p:nvPr/>
+        </p:nvSpPr>
+        <p:spPr>
+          <a:xfrm>
+            <a:off x="2834451" y="-1773"/>
+            <a:ext cx="5595443" cy="923330"/>
+          </a:xfrm>
+          <a:prstGeom prst="rect">
+            <a:avLst/>
+          </a:prstGeom>
+          <a:noFill/>
+        </p:spPr>
+        <p:txBody>
+          <a:bodyPr wrap="none" lIns="91440" tIns="45720" rIns="91440" bIns="45720">
+            <a:spAutoFit/>
+          </a:bodyPr>
+          <a:lstStyle/>
+          <a:p>
+            <a:pPr algn="ctr"/>
+            <a:r>
+              <a:rPr lang="en-US" sz="5400" dirty="0">
+                <a:ln w="0"/>
+                <a:effectLst>
+                  <a:outerShdw blurRad="38100" dist="19050" dir="2700000" algn="tl" rotWithShape="0">
+                    <a:schemeClr val="dk1">
+                      <a:alpha val="40000"/>
+                    </a:schemeClr>
+                  </a:outerShdw>
+                </a:effectLst>
+              </a:rPr>
+              <a:t>Database </a:t>
+            </a:r>
+            <a:r>
+              <a:rPr lang="en-US" sz="5400" dirty="0" err="1">
+                <a:ln w="0"/>
+                <a:effectLst>
+                  <a:outerShdw blurRad="38100" dist="19050" dir="2700000" algn="tl" rotWithShape="0">
+                    <a:schemeClr val="dk1">
+                      <a:alpha val="40000"/>
+                    </a:schemeClr>
+                  </a:outerShdw>
+                </a:effectLst>
+              </a:rPr>
+              <a:t>Event_db</a:t>
+            </a:r>
+            <a:endParaRPr lang="en-US" sz="5400" b="0" cap="none" spc="0" dirty="0">
+              <a:ln w="0"/>
+              <a:solidFill>
+                <a:schemeClr val="tx1"/>
+              </a:solidFill>
+              <a:effectLst>
+                <a:outerShdw blurRad="38100" dist="19050" dir="2700000" algn="tl" rotWithShape="0">
+                  <a:schemeClr val="dk1">
+                    <a:alpha val="40000"/>
+                  </a:schemeClr>
+                </a:outerShdw>
+              </a:effectLst>
+            </a:endParaRPr>
+          </a:p>
+        </p:txBody>
+      </p:sp>
+    </p:spTree>
+    <p:extLst>
+      <p:ext uri="{BB962C8B-B14F-4D97-AF65-F5344CB8AC3E}">
+        <p14:creationId xmlns:p14="http://schemas.microsoft.com/office/powerpoint/2010/main" val="1906612476"/>
+      </p:ext>
+    </p:extLst>
+  </p:cSld>
+  <p:clrMapOvr>
+    <a:masterClrMapping/>
+  </p:clrMapOvr>
+</p:sld>
+</file>
+
 <file path=ppt/theme/theme1.xml><?xml version="1.0" encoding="utf-8"?>
 <a:theme xmlns:a="http://schemas.openxmlformats.org/drawingml/2006/main" name="Office Theme">
   <a:themeElements>
